--- a/businessWorkPlan/workPlan.pptx
+++ b/businessWorkPlan/workPlan.pptx
@@ -3114,11 +3114,22 @@
             </a:r>
           </a:p>
           <a:p>
-            <a:pPr>
+            <a:pPr marL="285750" indent="-285750">
               <a:lnSpc>
                 <a:spcPct val="150000"/>
               </a:lnSpc>
+              <a:buFont typeface="Arial" panose="020B0604020202020204" pitchFamily="34" charset="0"/>
+              <a:buChar char="•"/>
             </a:pPr>
+            <a:r>
+              <a:rPr lang="en-US" sz="1800" kern="100">
+                <a:effectLst/>
+                <a:latin typeface="Helvetica" pitchFamily="2" charset="0"/>
+                <a:ea typeface="Calibri" panose="020F0502020204030204" pitchFamily="34" charset="0"/>
+                <a:cs typeface="Times New Roman" panose="02020603050405020304" pitchFamily="18" charset="0"/>
+              </a:rPr>
+              <a:t>Phase </a:t>
+            </a:r>
             <a:r>
               <a:rPr lang="en-US" sz="1800" kern="100" dirty="0">
                 <a:effectLst/>
@@ -3126,7 +3137,7 @@
                 <a:ea typeface="Calibri" panose="020F0502020204030204" pitchFamily="34" charset="0"/>
                 <a:cs typeface="Times New Roman" panose="02020603050405020304" pitchFamily="18" charset="0"/>
               </a:rPr>
-              <a:t>	Phase 1:</a:t>
+              <a:t>1:</a:t>
             </a:r>
             <a:r>
               <a:rPr lang="en-US" kern="100" dirty="0">
@@ -3138,10 +3149,12 @@
             </a:r>
           </a:p>
           <a:p>
-            <a:pPr>
+            <a:pPr marL="285750" indent="-285750">
               <a:lnSpc>
                 <a:spcPct val="150000"/>
               </a:lnSpc>
+              <a:buFont typeface="Arial" panose="020B0604020202020204" pitchFamily="34" charset="0"/>
+              <a:buChar char="•"/>
             </a:pPr>
             <a:r>
               <a:rPr lang="en-US" sz="1800" kern="100" dirty="0">
@@ -3150,7 +3163,7 @@
                 <a:ea typeface="Calibri" panose="020F0502020204030204" pitchFamily="34" charset="0"/>
                 <a:cs typeface="Times New Roman" panose="02020603050405020304" pitchFamily="18" charset="0"/>
               </a:rPr>
-              <a:t>	Phase 2: Full scale automated ingestion and model training. Feedback loop from downstream systems to provide additional training data to improve model accuracy</a:t>
+              <a:t>Phase 2: Full scale automated ingestion and model training. Feedback loop from downstream systems to provide additional training data to improve model accuracy</a:t>
             </a:r>
             <a:r>
               <a:rPr lang="en-US" kern="100" dirty="0">
@@ -3162,10 +3175,12 @@
             </a:r>
           </a:p>
           <a:p>
-            <a:pPr>
+            <a:pPr marL="285750" indent="-285750">
               <a:lnSpc>
                 <a:spcPct val="150000"/>
               </a:lnSpc>
+              <a:buFont typeface="Arial" panose="020B0604020202020204" pitchFamily="34" charset="0"/>
+              <a:buChar char="•"/>
             </a:pPr>
             <a:r>
               <a:rPr lang="en-US" sz="1800" kern="100" dirty="0">
@@ -3174,25 +3189,7 @@
                 <a:ea typeface="Calibri" panose="020F0502020204030204" pitchFamily="34" charset="0"/>
                 <a:cs typeface="Times New Roman" panose="02020603050405020304" pitchFamily="18" charset="0"/>
               </a:rPr>
-              <a:t>	Phase 3: Build canary release so we can test different algorithms to further improve model </a:t>
-            </a:r>
-            <a:r>
-              <a:rPr lang="en-US" sz="1800" kern="100">
-                <a:effectLst/>
-                <a:latin typeface="Helvetica" pitchFamily="2" charset="0"/>
-                <a:ea typeface="Calibri" panose="020F0502020204030204" pitchFamily="34" charset="0"/>
-                <a:cs typeface="Times New Roman" panose="02020603050405020304" pitchFamily="18" charset="0"/>
-              </a:rPr>
-              <a:t>and support </a:t>
-            </a:r>
-            <a:r>
-              <a:rPr lang="en-US" sz="1800" kern="100" dirty="0">
-                <a:effectLst/>
-                <a:latin typeface="Helvetica" pitchFamily="2" charset="0"/>
-                <a:ea typeface="Calibri" panose="020F0502020204030204" pitchFamily="34" charset="0"/>
-                <a:cs typeface="Times New Roman" panose="02020603050405020304" pitchFamily="18" charset="0"/>
-              </a:rPr>
-              <a:t>different downstream systems. </a:t>
+              <a:t>Phase 3: Build canary release so we can test different algorithms to further improve model and support different downstream systems. </a:t>
             </a:r>
           </a:p>
           <a:p>
@@ -3319,7 +3316,7 @@
         </p:nvSpPr>
         <p:spPr>
           <a:xfrm>
-            <a:off x="3265006" y="1482246"/>
+            <a:off x="3324640" y="1482246"/>
             <a:ext cx="1133060" cy="415498"/>
           </a:xfrm>
           <a:prstGeom prst="rect">
@@ -3359,7 +3356,7 @@
         </p:nvSpPr>
         <p:spPr>
           <a:xfrm>
-            <a:off x="3265006" y="3129204"/>
+            <a:off x="3324640" y="3127044"/>
             <a:ext cx="1133060" cy="415498"/>
           </a:xfrm>
           <a:prstGeom prst="rect">
@@ -3399,7 +3396,7 @@
         </p:nvSpPr>
         <p:spPr>
           <a:xfrm>
-            <a:off x="3344519" y="3750291"/>
+            <a:off x="3324640" y="3731738"/>
             <a:ext cx="1133060" cy="415498"/>
           </a:xfrm>
           <a:prstGeom prst="rect">
